--- a/需求PPT/复习提纲.pptx
+++ b/需求PPT/复习提纲.pptx
@@ -111,6 +111,22 @@
       </a:defRPr>
     </a:lvl9pPr>
   </p:defaultTextStyle>
+  <p:extLst>
+    <p:ext uri="{EFAFB233-063F-42B5-8137-9DF3F51BA10A}">
+      <p15:sldGuideLst xmlns:p15="http://schemas.microsoft.com/office/powerpoint/2012/main">
+        <p15:guide id="1" orient="horz" pos="2160">
+          <p15:clr>
+            <a:srgbClr val="A4A3A4"/>
+          </p15:clr>
+        </p15:guide>
+        <p15:guide id="2" pos="2880">
+          <p15:clr>
+            <a:srgbClr val="A4A3A4"/>
+          </p15:clr>
+        </p15:guide>
+      </p15:sldGuideLst>
+    </p:ext>
+  </p:extLst>
 </p:presentation>
 </file>
 
@@ -295,7 +311,7 @@
           <a:p>
             <a:fld id="{530820CF-B880-4189-942D-D702A7CBA730}" type="datetimeFigureOut">
               <a:rPr lang="zh-CN" altLang="en-US" smtClean="0"/>
-              <a:t>2015/11/13</a:t>
+              <a:t>2015/11/23</a:t>
             </a:fld>
             <a:endParaRPr lang="zh-CN" altLang="en-US"/>
           </a:p>
@@ -460,7 +476,7 @@
           <a:p>
             <a:fld id="{530820CF-B880-4189-942D-D702A7CBA730}" type="datetimeFigureOut">
               <a:rPr lang="zh-CN" altLang="en-US" smtClean="0"/>
-              <a:t>2015/11/13</a:t>
+              <a:t>2015/11/23</a:t>
             </a:fld>
             <a:endParaRPr lang="zh-CN" altLang="en-US"/>
           </a:p>
@@ -635,7 +651,7 @@
           <a:p>
             <a:fld id="{530820CF-B880-4189-942D-D702A7CBA730}" type="datetimeFigureOut">
               <a:rPr lang="zh-CN" altLang="en-US" smtClean="0"/>
-              <a:t>2015/11/13</a:t>
+              <a:t>2015/11/23</a:t>
             </a:fld>
             <a:endParaRPr lang="zh-CN" altLang="en-US"/>
           </a:p>
@@ -800,7 +816,7 @@
           <a:p>
             <a:fld id="{530820CF-B880-4189-942D-D702A7CBA730}" type="datetimeFigureOut">
               <a:rPr lang="zh-CN" altLang="en-US" smtClean="0"/>
-              <a:t>2015/11/13</a:t>
+              <a:t>2015/11/23</a:t>
             </a:fld>
             <a:endParaRPr lang="zh-CN" altLang="en-US"/>
           </a:p>
@@ -1041,7 +1057,7 @@
           <a:p>
             <a:fld id="{530820CF-B880-4189-942D-D702A7CBA730}" type="datetimeFigureOut">
               <a:rPr lang="zh-CN" altLang="en-US" smtClean="0"/>
-              <a:t>2015/11/13</a:t>
+              <a:t>2015/11/23</a:t>
             </a:fld>
             <a:endParaRPr lang="zh-CN" altLang="en-US"/>
           </a:p>
@@ -1324,7 +1340,7 @@
           <a:p>
             <a:fld id="{530820CF-B880-4189-942D-D702A7CBA730}" type="datetimeFigureOut">
               <a:rPr lang="zh-CN" altLang="en-US" smtClean="0"/>
-              <a:t>2015/11/13</a:t>
+              <a:t>2015/11/23</a:t>
             </a:fld>
             <a:endParaRPr lang="zh-CN" altLang="en-US"/>
           </a:p>
@@ -1741,7 +1757,7 @@
           <a:p>
             <a:fld id="{530820CF-B880-4189-942D-D702A7CBA730}" type="datetimeFigureOut">
               <a:rPr lang="zh-CN" altLang="en-US" smtClean="0"/>
-              <a:t>2015/11/13</a:t>
+              <a:t>2015/11/23</a:t>
             </a:fld>
             <a:endParaRPr lang="zh-CN" altLang="en-US"/>
           </a:p>
@@ -1854,7 +1870,7 @@
           <a:p>
             <a:fld id="{530820CF-B880-4189-942D-D702A7CBA730}" type="datetimeFigureOut">
               <a:rPr lang="zh-CN" altLang="en-US" smtClean="0"/>
-              <a:t>2015/11/13</a:t>
+              <a:t>2015/11/23</a:t>
             </a:fld>
             <a:endParaRPr lang="zh-CN" altLang="en-US"/>
           </a:p>
@@ -1944,7 +1960,7 @@
           <a:p>
             <a:fld id="{530820CF-B880-4189-942D-D702A7CBA730}" type="datetimeFigureOut">
               <a:rPr lang="zh-CN" altLang="en-US" smtClean="0"/>
-              <a:t>2015/11/13</a:t>
+              <a:t>2015/11/23</a:t>
             </a:fld>
             <a:endParaRPr lang="zh-CN" altLang="en-US"/>
           </a:p>
@@ -2216,7 +2232,7 @@
           <a:p>
             <a:fld id="{530820CF-B880-4189-942D-D702A7CBA730}" type="datetimeFigureOut">
               <a:rPr lang="zh-CN" altLang="en-US" smtClean="0"/>
-              <a:t>2015/11/13</a:t>
+              <a:t>2015/11/23</a:t>
             </a:fld>
             <a:endParaRPr lang="zh-CN" altLang="en-US"/>
           </a:p>
@@ -2464,7 +2480,7 @@
           <a:p>
             <a:fld id="{530820CF-B880-4189-942D-D702A7CBA730}" type="datetimeFigureOut">
               <a:rPr lang="zh-CN" altLang="en-US" smtClean="0"/>
-              <a:t>2015/11/13</a:t>
+              <a:t>2015/11/23</a:t>
             </a:fld>
             <a:endParaRPr lang="zh-CN" altLang="en-US"/>
           </a:p>
@@ -2672,7 +2688,7 @@
           <a:p>
             <a:fld id="{530820CF-B880-4189-942D-D702A7CBA730}" type="datetimeFigureOut">
               <a:rPr lang="zh-CN" altLang="en-US" smtClean="0"/>
-              <a:t>2015/11/13</a:t>
+              <a:t>2015/11/23</a:t>
             </a:fld>
             <a:endParaRPr lang="zh-CN" altLang="en-US"/>
           </a:p>

--- a/需求PPT/复习提纲.pptx
+++ b/需求PPT/复习提纲.pptx
@@ -311,7 +311,7 @@
           <a:p>
             <a:fld id="{530820CF-B880-4189-942D-D702A7CBA730}" type="datetimeFigureOut">
               <a:rPr lang="zh-CN" altLang="en-US" smtClean="0"/>
-              <a:t>2015/11/23</a:t>
+              <a:t>2015/11/25</a:t>
             </a:fld>
             <a:endParaRPr lang="zh-CN" altLang="en-US"/>
           </a:p>
@@ -476,7 +476,7 @@
           <a:p>
             <a:fld id="{530820CF-B880-4189-942D-D702A7CBA730}" type="datetimeFigureOut">
               <a:rPr lang="zh-CN" altLang="en-US" smtClean="0"/>
-              <a:t>2015/11/23</a:t>
+              <a:t>2015/11/25</a:t>
             </a:fld>
             <a:endParaRPr lang="zh-CN" altLang="en-US"/>
           </a:p>
@@ -651,7 +651,7 @@
           <a:p>
             <a:fld id="{530820CF-B880-4189-942D-D702A7CBA730}" type="datetimeFigureOut">
               <a:rPr lang="zh-CN" altLang="en-US" smtClean="0"/>
-              <a:t>2015/11/23</a:t>
+              <a:t>2015/11/25</a:t>
             </a:fld>
             <a:endParaRPr lang="zh-CN" altLang="en-US"/>
           </a:p>
@@ -816,7 +816,7 @@
           <a:p>
             <a:fld id="{530820CF-B880-4189-942D-D702A7CBA730}" type="datetimeFigureOut">
               <a:rPr lang="zh-CN" altLang="en-US" smtClean="0"/>
-              <a:t>2015/11/23</a:t>
+              <a:t>2015/11/25</a:t>
             </a:fld>
             <a:endParaRPr lang="zh-CN" altLang="en-US"/>
           </a:p>
@@ -1057,7 +1057,7 @@
           <a:p>
             <a:fld id="{530820CF-B880-4189-942D-D702A7CBA730}" type="datetimeFigureOut">
               <a:rPr lang="zh-CN" altLang="en-US" smtClean="0"/>
-              <a:t>2015/11/23</a:t>
+              <a:t>2015/11/25</a:t>
             </a:fld>
             <a:endParaRPr lang="zh-CN" altLang="en-US"/>
           </a:p>
@@ -1340,7 +1340,7 @@
           <a:p>
             <a:fld id="{530820CF-B880-4189-942D-D702A7CBA730}" type="datetimeFigureOut">
               <a:rPr lang="zh-CN" altLang="en-US" smtClean="0"/>
-              <a:t>2015/11/23</a:t>
+              <a:t>2015/11/25</a:t>
             </a:fld>
             <a:endParaRPr lang="zh-CN" altLang="en-US"/>
           </a:p>
@@ -1757,7 +1757,7 @@
           <a:p>
             <a:fld id="{530820CF-B880-4189-942D-D702A7CBA730}" type="datetimeFigureOut">
               <a:rPr lang="zh-CN" altLang="en-US" smtClean="0"/>
-              <a:t>2015/11/23</a:t>
+              <a:t>2015/11/25</a:t>
             </a:fld>
             <a:endParaRPr lang="zh-CN" altLang="en-US"/>
           </a:p>
@@ -1870,7 +1870,7 @@
           <a:p>
             <a:fld id="{530820CF-B880-4189-942D-D702A7CBA730}" type="datetimeFigureOut">
               <a:rPr lang="zh-CN" altLang="en-US" smtClean="0"/>
-              <a:t>2015/11/23</a:t>
+              <a:t>2015/11/25</a:t>
             </a:fld>
             <a:endParaRPr lang="zh-CN" altLang="en-US"/>
           </a:p>
@@ -1960,7 +1960,7 @@
           <a:p>
             <a:fld id="{530820CF-B880-4189-942D-D702A7CBA730}" type="datetimeFigureOut">
               <a:rPr lang="zh-CN" altLang="en-US" smtClean="0"/>
-              <a:t>2015/11/23</a:t>
+              <a:t>2015/11/25</a:t>
             </a:fld>
             <a:endParaRPr lang="zh-CN" altLang="en-US"/>
           </a:p>
@@ -2232,7 +2232,7 @@
           <a:p>
             <a:fld id="{530820CF-B880-4189-942D-D702A7CBA730}" type="datetimeFigureOut">
               <a:rPr lang="zh-CN" altLang="en-US" smtClean="0"/>
-              <a:t>2015/11/23</a:t>
+              <a:t>2015/11/25</a:t>
             </a:fld>
             <a:endParaRPr lang="zh-CN" altLang="en-US"/>
           </a:p>
@@ -2480,7 +2480,7 @@
           <a:p>
             <a:fld id="{530820CF-B880-4189-942D-D702A7CBA730}" type="datetimeFigureOut">
               <a:rPr lang="zh-CN" altLang="en-US" smtClean="0"/>
-              <a:t>2015/11/23</a:t>
+              <a:t>2015/11/25</a:t>
             </a:fld>
             <a:endParaRPr lang="zh-CN" altLang="en-US"/>
           </a:p>
@@ -2688,7 +2688,7 @@
           <a:p>
             <a:fld id="{530820CF-B880-4189-942D-D702A7CBA730}" type="datetimeFigureOut">
               <a:rPr lang="zh-CN" altLang="en-US" smtClean="0"/>
-              <a:t>2015/11/23</a:t>
+              <a:t>2015/11/25</a:t>
             </a:fld>
             <a:endParaRPr lang="zh-CN" altLang="en-US"/>
           </a:p>
@@ -3395,26 +3395,54 @@
             <a:pPr lvl="1"/>
             <a:r>
               <a:rPr lang="zh-CN" altLang="en-US" dirty="0" smtClean="0"/>
-              <a:t>书写需求（示例：第</a:t>
-            </a:r>
-            <a:r>
-              <a:rPr lang="en-US" altLang="zh-CN" dirty="0" smtClean="0"/>
+              <a:t>书写需求（</a:t>
+            </a:r>
+            <a:r>
+              <a:rPr lang="zh-CN" altLang="en-US" dirty="0" smtClean="0">
+                <a:solidFill>
+                  <a:srgbClr val="FF0000"/>
+                </a:solidFill>
+              </a:rPr>
+              <a:t>示例：第</a:t>
+            </a:r>
+            <a:r>
+              <a:rPr lang="en-US" altLang="zh-CN" dirty="0" smtClean="0">
+                <a:solidFill>
+                  <a:srgbClr val="FF0000"/>
+                </a:solidFill>
+              </a:rPr>
               <a:t>2</a:t>
             </a:r>
             <a:r>
-              <a:rPr lang="zh-CN" altLang="en-US" dirty="0" smtClean="0"/>
+              <a:rPr lang="zh-CN" altLang="en-US" dirty="0" smtClean="0">
+                <a:solidFill>
+                  <a:srgbClr val="FF0000"/>
+                </a:solidFill>
+              </a:rPr>
               <a:t>章案例题</a:t>
             </a:r>
             <a:r>
-              <a:rPr lang="en-US" altLang="zh-CN" dirty="0" smtClean="0"/>
+              <a:rPr lang="en-US" altLang="zh-CN" dirty="0" smtClean="0">
+                <a:solidFill>
+                  <a:srgbClr val="FF0000"/>
+                </a:solidFill>
+              </a:rPr>
               <a:t>4</a:t>
             </a:r>
             <a:r>
-              <a:rPr lang="zh-CN" altLang="en-US" dirty="0" smtClean="0"/>
+              <a:rPr lang="zh-CN" altLang="en-US" dirty="0" smtClean="0">
+                <a:solidFill>
+                  <a:srgbClr val="FF0000"/>
+                </a:solidFill>
+              </a:rPr>
               <a:t>～</a:t>
             </a:r>
             <a:r>
-              <a:rPr lang="en-US" altLang="zh-CN" dirty="0" smtClean="0"/>
+              <a:rPr lang="en-US" altLang="zh-CN" dirty="0" smtClean="0">
+                <a:solidFill>
+                  <a:srgbClr val="FF0000"/>
+                </a:solidFill>
+              </a:rPr>
               <a:t>6</a:t>
             </a:r>
             <a:r>
@@ -3544,18 +3572,38 @@
             <a:pPr lvl="1"/>
             <a:r>
               <a:rPr lang="zh-CN" altLang="en-US" dirty="0" smtClean="0"/>
-              <a:t>案例题（示例：第</a:t>
-            </a:r>
-            <a:r>
-              <a:rPr lang="en-US" altLang="zh-CN" dirty="0" smtClean="0"/>
+              <a:t>案例题（示例：</a:t>
+            </a:r>
+            <a:r>
+              <a:rPr lang="zh-CN" altLang="en-US" dirty="0" smtClean="0">
+                <a:solidFill>
+                  <a:srgbClr val="FF0000"/>
+                </a:solidFill>
+              </a:rPr>
+              <a:t>第</a:t>
+            </a:r>
+            <a:r>
+              <a:rPr lang="en-US" altLang="zh-CN" dirty="0" smtClean="0">
+                <a:solidFill>
+                  <a:srgbClr val="FF0000"/>
+                </a:solidFill>
+              </a:rPr>
               <a:t>5</a:t>
             </a:r>
             <a:r>
-              <a:rPr lang="zh-CN" altLang="en-US" dirty="0" smtClean="0"/>
+              <a:rPr lang="zh-CN" altLang="en-US" dirty="0" smtClean="0">
+                <a:solidFill>
+                  <a:srgbClr val="FF0000"/>
+                </a:solidFill>
+              </a:rPr>
               <a:t>章所有案例题</a:t>
             </a:r>
             <a:r>
-              <a:rPr lang="en-US" altLang="zh-CN" dirty="0" smtClean="0"/>
+              <a:rPr lang="en-US" altLang="zh-CN" dirty="0" smtClean="0">
+                <a:solidFill>
+                  <a:srgbClr val="FF0000"/>
+                </a:solidFill>
+              </a:rPr>
               <a:t> </a:t>
             </a:r>
             <a:r>
